--- a/WiFi Intrusion Detection and Automatic Blocking System.pptx
+++ b/WiFi Intrusion Detection and Automatic Blocking System.pptx
@@ -15751,7 +15751,7 @@
           <a:p>
             <a:r>
               <a:rPr lang="en-US" dirty="0"/>
-              <a:t> - Built specifically for Windows 10 laptops to ensure wide usability.  </a:t>
+              <a:t> - Built specifically for Windows laptops to ensure wide usability.  </a:t>
             </a:r>
           </a:p>
           <a:p>
@@ -16214,7 +16214,7 @@
           <a:p>
             <a:r>
               <a:rPr lang="en-SG" dirty="0"/>
-              <a:t>   - Designed for Windows 10 laptops—used by millions globally. </a:t>
+              <a:t>   - Designed for Windows laptops—used by millions globally. </a:t>
             </a:r>
           </a:p>
         </p:txBody>
@@ -16303,7 +16303,7 @@
         </p:nvSpPr>
         <p:spPr>
           <a:xfrm>
-            <a:off x="525717" y="557215"/>
+            <a:off x="525716" y="557215"/>
             <a:ext cx="10077557" cy="5513715"/>
           </a:xfrm>
         </p:spPr>
@@ -16503,15 +16503,7 @@
           <a:p>
             <a:r>
               <a:rPr lang="en-US" dirty="0"/>
-              <a:t>- Focus only on Linux platforms (e.g., </a:t>
-            </a:r>
-            <a:r>
-              <a:rPr lang="en-US" dirty="0" err="1"/>
-              <a:t>Aircrack</a:t>
-            </a:r>
-            <a:r>
-              <a:rPr lang="en-US" dirty="0"/>
-              <a:t>-ng).  </a:t>
+              <a:t>- Focus only on Linux platforms.  </a:t>
             </a:r>
           </a:p>
           <a:p>
@@ -16540,25 +16532,25 @@
           <a:p>
             <a:r>
               <a:rPr lang="en-SG" dirty="0"/>
-              <a:t>| Feature                         | Our Tool        | Existing Tools | </a:t>
+              <a:t>Feature                         Our Tool         Existing Tools </a:t>
             </a:r>
           </a:p>
           <a:p>
             <a:r>
               <a:rPr lang="en-SG" dirty="0"/>
-              <a:t>| Platform Support        | Windows      | Mostly Linux   |  </a:t>
+              <a:t>Platform Support        Windows       Mostly Linux     </a:t>
             </a:r>
           </a:p>
           <a:p>
             <a:r>
               <a:rPr lang="en-SG" dirty="0"/>
-              <a:t>| Automatic Blocking   | Yes                 | No/Manual      |  </a:t>
+              <a:t>Automatic Blocking    Yes                  No/Manual        </a:t>
             </a:r>
           </a:p>
           <a:p>
             <a:r>
               <a:rPr lang="en-SG" dirty="0"/>
-              <a:t>| GUI                                | Yes                  | CLI-Based       | </a:t>
+              <a:t>GUI                                 Yes                   CLI-Based        </a:t>
             </a:r>
           </a:p>
         </p:txBody>
